--- a/Documents/20190523_BACandSTRAW meetng with beck.pptx
+++ b/Documents/20190523_BACandSTRAW meetng with beck.pptx
@@ -107,6 +107,11 @@
       </a:defRPr>
     </a:lvl9pPr>
   </p:defaultTextStyle>
+  <p:extLst>
+    <p:ext uri="{EFAFB233-063F-42B5-8137-9DF3F51BA10A}">
+      <p15:sldGuideLst xmlns:p15="http://schemas.microsoft.com/office/powerpoint/2012/main"/>
+    </p:ext>
+  </p:extLst>
 </p:presentation>
 </file>
 
@@ -257,7 +262,7 @@
           <a:p>
             <a:fld id="{1E87C78C-4367-4238-9050-FC46075A3F30}" type="datetimeFigureOut">
               <a:rPr lang="en-US" smtClean="0"/>
-              <a:t>5/23/2019</a:t>
+              <a:t>6/19/2019</a:t>
             </a:fld>
             <a:endParaRPr lang="en-US"/>
           </a:p>
@@ -455,7 +460,7 @@
           <a:p>
             <a:fld id="{1E87C78C-4367-4238-9050-FC46075A3F30}" type="datetimeFigureOut">
               <a:rPr lang="en-US" smtClean="0"/>
-              <a:t>5/23/2019</a:t>
+              <a:t>6/19/2019</a:t>
             </a:fld>
             <a:endParaRPr lang="en-US"/>
           </a:p>
@@ -663,7 +668,7 @@
           <a:p>
             <a:fld id="{1E87C78C-4367-4238-9050-FC46075A3F30}" type="datetimeFigureOut">
               <a:rPr lang="en-US" smtClean="0"/>
-              <a:t>5/23/2019</a:t>
+              <a:t>6/19/2019</a:t>
             </a:fld>
             <a:endParaRPr lang="en-US"/>
           </a:p>
@@ -861,7 +866,7 @@
           <a:p>
             <a:fld id="{1E87C78C-4367-4238-9050-FC46075A3F30}" type="datetimeFigureOut">
               <a:rPr lang="en-US" smtClean="0"/>
-              <a:t>5/23/2019</a:t>
+              <a:t>6/19/2019</a:t>
             </a:fld>
             <a:endParaRPr lang="en-US"/>
           </a:p>
@@ -1136,7 +1141,7 @@
           <a:p>
             <a:fld id="{1E87C78C-4367-4238-9050-FC46075A3F30}" type="datetimeFigureOut">
               <a:rPr lang="en-US" smtClean="0"/>
-              <a:t>5/23/2019</a:t>
+              <a:t>6/19/2019</a:t>
             </a:fld>
             <a:endParaRPr lang="en-US"/>
           </a:p>
@@ -1401,7 +1406,7 @@
           <a:p>
             <a:fld id="{1E87C78C-4367-4238-9050-FC46075A3F30}" type="datetimeFigureOut">
               <a:rPr lang="en-US" smtClean="0"/>
-              <a:t>5/23/2019</a:t>
+              <a:t>6/19/2019</a:t>
             </a:fld>
             <a:endParaRPr lang="en-US"/>
           </a:p>
@@ -1813,7 +1818,7 @@
           <a:p>
             <a:fld id="{1E87C78C-4367-4238-9050-FC46075A3F30}" type="datetimeFigureOut">
               <a:rPr lang="en-US" smtClean="0"/>
-              <a:t>5/23/2019</a:t>
+              <a:t>6/19/2019</a:t>
             </a:fld>
             <a:endParaRPr lang="en-US"/>
           </a:p>
@@ -1954,7 +1959,7 @@
           <a:p>
             <a:fld id="{1E87C78C-4367-4238-9050-FC46075A3F30}" type="datetimeFigureOut">
               <a:rPr lang="en-US" smtClean="0"/>
-              <a:t>5/23/2019</a:t>
+              <a:t>6/19/2019</a:t>
             </a:fld>
             <a:endParaRPr lang="en-US"/>
           </a:p>
@@ -2067,7 +2072,7 @@
           <a:p>
             <a:fld id="{1E87C78C-4367-4238-9050-FC46075A3F30}" type="datetimeFigureOut">
               <a:rPr lang="en-US" smtClean="0"/>
-              <a:t>5/23/2019</a:t>
+              <a:t>6/19/2019</a:t>
             </a:fld>
             <a:endParaRPr lang="en-US"/>
           </a:p>
@@ -2378,7 +2383,7 @@
           <a:p>
             <a:fld id="{1E87C78C-4367-4238-9050-FC46075A3F30}" type="datetimeFigureOut">
               <a:rPr lang="en-US" smtClean="0"/>
-              <a:t>5/23/2019</a:t>
+              <a:t>6/19/2019</a:t>
             </a:fld>
             <a:endParaRPr lang="en-US"/>
           </a:p>
@@ -2666,7 +2671,7 @@
           <a:p>
             <a:fld id="{1E87C78C-4367-4238-9050-FC46075A3F30}" type="datetimeFigureOut">
               <a:rPr lang="en-US" smtClean="0"/>
-              <a:t>5/23/2019</a:t>
+              <a:t>6/19/2019</a:t>
             </a:fld>
             <a:endParaRPr lang="en-US"/>
           </a:p>
@@ -2907,7 +2912,7 @@
           <a:p>
             <a:fld id="{1E87C78C-4367-4238-9050-FC46075A3F30}" type="datetimeFigureOut">
               <a:rPr lang="en-US" smtClean="0"/>
-              <a:t>5/23/2019</a:t>
+              <a:t>6/19/2019</a:t>
             </a:fld>
             <a:endParaRPr lang="en-US"/>
           </a:p>
@@ -3753,94 +3758,6 @@
           </a:p>
         </p:txBody>
       </p:sp>
-      <p:cxnSp>
-        <p:nvCxnSpPr>
-          <p:cNvPr id="12" name="Straight Arrow Connector 11">
-            <a:extLst>
-              <a:ext uri="{FF2B5EF4-FFF2-40B4-BE49-F238E27FC236}">
-                <a16:creationId xmlns:a16="http://schemas.microsoft.com/office/drawing/2014/main" id="{F0259F07-CE52-4D83-BAF8-20A24346ED8D}"/>
-              </a:ext>
-            </a:extLst>
-          </p:cNvPr>
-          <p:cNvCxnSpPr>
-            <a:cxnSpLocks/>
-          </p:cNvCxnSpPr>
-          <p:nvPr/>
-        </p:nvCxnSpPr>
-        <p:spPr>
-          <a:xfrm>
-            <a:off x="6959600" y="3429000"/>
-            <a:ext cx="1384300" cy="127000"/>
-          </a:xfrm>
-          <a:prstGeom prst="straightConnector1">
-            <a:avLst/>
-          </a:prstGeom>
-          <a:ln w="57150">
-            <a:solidFill>
-              <a:schemeClr val="tx1"/>
-            </a:solidFill>
-            <a:tailEnd type="triangle"/>
-          </a:ln>
-        </p:spPr>
-        <p:style>
-          <a:lnRef idx="1">
-            <a:schemeClr val="accent1"/>
-          </a:lnRef>
-          <a:fillRef idx="0">
-            <a:schemeClr val="accent1"/>
-          </a:fillRef>
-          <a:effectRef idx="0">
-            <a:schemeClr val="accent1"/>
-          </a:effectRef>
-          <a:fontRef idx="minor">
-            <a:schemeClr val="tx1"/>
-          </a:fontRef>
-        </p:style>
-      </p:cxnSp>
-      <p:cxnSp>
-        <p:nvCxnSpPr>
-          <p:cNvPr id="15" name="Straight Arrow Connector 14">
-            <a:extLst>
-              <a:ext uri="{FF2B5EF4-FFF2-40B4-BE49-F238E27FC236}">
-                <a16:creationId xmlns:a16="http://schemas.microsoft.com/office/drawing/2014/main" id="{7DE926C9-477B-4C0B-9A9A-1B582B20D091}"/>
-              </a:ext>
-            </a:extLst>
-          </p:cNvPr>
-          <p:cNvCxnSpPr>
-            <a:cxnSpLocks/>
-          </p:cNvCxnSpPr>
-          <p:nvPr/>
-        </p:nvCxnSpPr>
-        <p:spPr>
-          <a:xfrm>
-            <a:off x="7379705" y="4178299"/>
-            <a:ext cx="1384300" cy="127000"/>
-          </a:xfrm>
-          <a:prstGeom prst="straightConnector1">
-            <a:avLst/>
-          </a:prstGeom>
-          <a:ln w="57150">
-            <a:solidFill>
-              <a:schemeClr val="tx1"/>
-            </a:solidFill>
-            <a:tailEnd type="triangle"/>
-          </a:ln>
-        </p:spPr>
-        <p:style>
-          <a:lnRef idx="1">
-            <a:schemeClr val="accent1"/>
-          </a:lnRef>
-          <a:fillRef idx="0">
-            <a:schemeClr val="accent1"/>
-          </a:fillRef>
-          <a:effectRef idx="0">
-            <a:schemeClr val="accent1"/>
-          </a:effectRef>
-          <a:fontRef idx="minor">
-            <a:schemeClr val="tx1"/>
-          </a:fontRef>
-        </p:style>
-      </p:cxnSp>
       <p:sp>
         <p:nvSpPr>
           <p:cNvPr id="16" name="Oval 15">
@@ -4014,10 +3931,10 @@
       </p:grpSpPr>
       <p:pic>
         <p:nvPicPr>
-          <p:cNvPr id="3" name="Picture 2">
-            <a:extLst>
-              <a:ext uri="{FF2B5EF4-FFF2-40B4-BE49-F238E27FC236}">
-                <a16:creationId xmlns:a16="http://schemas.microsoft.com/office/drawing/2014/main" id="{F16C65D8-C08C-48C6-A6D8-51F8657A9C42}"/>
+          <p:cNvPr id="2" name="Picture 1">
+            <a:extLst>
+              <a:ext uri="{FF2B5EF4-FFF2-40B4-BE49-F238E27FC236}">
+                <a16:creationId xmlns:a16="http://schemas.microsoft.com/office/drawing/2014/main" id="{7C128AED-8AF2-4CF2-83DB-26C075F00D9D}"/>
               </a:ext>
             </a:extLst>
           </p:cNvPr>
@@ -4034,8 +3951,8 @@
         </p:blipFill>
         <p:spPr>
           <a:xfrm>
-            <a:off x="0" y="673475"/>
-            <a:ext cx="9341517" cy="5765050"/>
+            <a:off x="2457100" y="92081"/>
+            <a:ext cx="7277793" cy="4822837"/>
           </a:xfrm>
           <a:prstGeom prst="rect">
             <a:avLst/>
@@ -4044,118 +3961,20 @@
       </p:pic>
       <p:sp>
         <p:nvSpPr>
-          <p:cNvPr id="7" name="Oval 6">
-            <a:extLst>
-              <a:ext uri="{FF2B5EF4-FFF2-40B4-BE49-F238E27FC236}">
-                <a16:creationId xmlns:a16="http://schemas.microsoft.com/office/drawing/2014/main" id="{D6B5D93A-05DC-4D67-953E-7B53451C7FB0}"/>
-              </a:ext>
-            </a:extLst>
-          </p:cNvPr>
-          <p:cNvSpPr/>
-          <p:nvPr/>
-        </p:nvSpPr>
-        <p:spPr>
-          <a:xfrm rot="615732">
-            <a:off x="6413669" y="1899021"/>
-            <a:ext cx="1127545" cy="3850454"/>
-          </a:xfrm>
-          <a:prstGeom prst="ellipse">
-            <a:avLst/>
-          </a:prstGeom>
-          <a:noFill/>
-          <a:ln w="38100"/>
-        </p:spPr>
-        <p:style>
-          <a:lnRef idx="2">
-            <a:schemeClr val="accent1">
-              <a:shade val="50000"/>
-            </a:schemeClr>
-          </a:lnRef>
-          <a:fillRef idx="1">
-            <a:schemeClr val="accent1"/>
-          </a:fillRef>
-          <a:effectRef idx="0">
-            <a:schemeClr val="accent1"/>
-          </a:effectRef>
-          <a:fontRef idx="minor">
-            <a:schemeClr val="lt1"/>
-          </a:fontRef>
-        </p:style>
-        <p:txBody>
-          <a:bodyPr rtlCol="0" anchor="ctr"/>
-          <a:lstStyle/>
-          <a:p>
-            <a:pPr algn="ctr"/>
-            <a:endParaRPr lang="en-US"/>
-          </a:p>
-        </p:txBody>
-      </p:sp>
-      <p:sp>
-        <p:nvSpPr>
-          <p:cNvPr id="16" name="Oval 15">
-            <a:extLst>
-              <a:ext uri="{FF2B5EF4-FFF2-40B4-BE49-F238E27FC236}">
-                <a16:creationId xmlns:a16="http://schemas.microsoft.com/office/drawing/2014/main" id="{1831E5F9-3978-46B9-ABEE-7DA25AC3FD00}"/>
-              </a:ext>
-            </a:extLst>
-          </p:cNvPr>
-          <p:cNvSpPr/>
+          <p:cNvPr id="8" name="TextBox 7">
+            <a:extLst>
+              <a:ext uri="{FF2B5EF4-FFF2-40B4-BE49-F238E27FC236}">
+                <a16:creationId xmlns:a16="http://schemas.microsoft.com/office/drawing/2014/main" id="{CFED7063-E181-4D54-8BF0-449202971013}"/>
+              </a:ext>
+            </a:extLst>
+          </p:cNvPr>
+          <p:cNvSpPr txBox="1"/>
           <p:nvPr/>
         </p:nvSpPr>
         <p:spPr>
           <a:xfrm>
-            <a:off x="7773947" y="2832100"/>
-            <a:ext cx="478725" cy="380622"/>
-          </a:xfrm>
-          <a:prstGeom prst="ellipse">
-            <a:avLst/>
-          </a:prstGeom>
-          <a:noFill/>
-          <a:ln w="28575">
-            <a:prstDash val="solid"/>
-          </a:ln>
-        </p:spPr>
-        <p:style>
-          <a:lnRef idx="2">
-            <a:schemeClr val="accent1">
-              <a:shade val="50000"/>
-            </a:schemeClr>
-          </a:lnRef>
-          <a:fillRef idx="1">
-            <a:schemeClr val="accent1"/>
-          </a:fillRef>
-          <a:effectRef idx="0">
-            <a:schemeClr val="accent1"/>
-          </a:effectRef>
-          <a:fontRef idx="minor">
-            <a:schemeClr val="lt1"/>
-          </a:fontRef>
-        </p:style>
-        <p:txBody>
-          <a:bodyPr rtlCol="0" anchor="ctr"/>
-          <a:lstStyle/>
-          <a:p>
-            <a:pPr algn="ctr"/>
-            <a:endParaRPr lang="en-US"/>
-          </a:p>
-        </p:txBody>
-      </p:sp>
-      <p:sp>
-        <p:nvSpPr>
-          <p:cNvPr id="9" name="TextBox 8">
-            <a:extLst>
-              <a:ext uri="{FF2B5EF4-FFF2-40B4-BE49-F238E27FC236}">
-                <a16:creationId xmlns:a16="http://schemas.microsoft.com/office/drawing/2014/main" id="{DB340F34-32B8-4DE4-A038-791E71EE565A}"/>
-              </a:ext>
-            </a:extLst>
-          </p:cNvPr>
-          <p:cNvSpPr txBox="1"/>
-          <p:nvPr/>
-        </p:nvSpPr>
-        <p:spPr>
-          <a:xfrm>
-            <a:off x="10096500" y="1155700"/>
-            <a:ext cx="1132682" cy="646331"/>
+            <a:off x="2762664" y="4914918"/>
+            <a:ext cx="6666667" cy="1815882"/>
           </a:xfrm>
           <a:prstGeom prst="rect">
             <a:avLst/>
@@ -4163,20 +3982,22 @@
           <a:noFill/>
         </p:spPr>
         <p:txBody>
-          <a:bodyPr wrap="none" rtlCol="0">
+          <a:bodyPr wrap="square" rtlCol="0">
             <a:spAutoFit/>
           </a:bodyPr>
           <a:lstStyle/>
           <a:p>
             <a:r>
-              <a:rPr lang="en-US" dirty="0"/>
-              <a:t>Replicates</a:t>
-            </a:r>
-          </a:p>
-          <a:p>
-            <a:r>
-              <a:rPr lang="en-US" dirty="0"/>
-              <a:t>ONLY</a:t>
+              <a:rPr lang="en-US" sz="1400" dirty="0"/>
+              <a:t>Multidimensional scaling (MDS) using principal coordinates analysis (</a:t>
+            </a:r>
+            <a:r>
+              <a:rPr lang="en-US" sz="1400" dirty="0" err="1"/>
+              <a:t>PCoA</a:t>
+            </a:r>
+            <a:r>
+              <a:rPr lang="en-US" sz="1400" dirty="0"/>
+              <a:t>) of a Bray-Curtis distance matrix comparing the volatile composition of strawberries 24 hours (red) and 48 hours (blue) after foraging by SWD. Strawberries were collected from organic plots in Citra, FL and exposed to SWD flies for 1 hour. After foraging, flies were removed from the fruit and the fruit was sealed into a volatile collection chamber for the duration of the trial. Each marker represents the bouquet of volatiles collected from each of the foraged strawberries. Axis.1 explained 84.1% of the variance and Axis.2 explained 9.7% of the variance.</a:t>
             </a:r>
           </a:p>
         </p:txBody>
